--- a/20230524_お金_社会保障/images.pptx
+++ b/20230524_お金_社会保障/images.pptx
@@ -3301,1370 +3301,1340 @@
           </a:p>
         </p:txBody>
       </p:sp>
+      <p:pic>
+        <p:nvPicPr>
+          <p:cNvPr id="2" name="図 1"/>
+          <p:cNvPicPr>
+            <a:picLocks noChangeAspect="1"/>
+          </p:cNvPicPr>
+          <p:nvPr/>
+        </p:nvPicPr>
+        <p:blipFill>
+          <a:blip r:embed="rId2">
+            <a:extLst>
+              <a:ext uri="{28A0092B-C50C-407E-A947-70E740481C1C}">
+                <a14:useLocalDpi xmlns:a14="http://schemas.microsoft.com/office/drawing/2010/main" val="0"/>
+              </a:ext>
+            </a:extLst>
+          </a:blip>
+          <a:stretch>
+            <a:fillRect/>
+          </a:stretch>
+        </p:blipFill>
+        <p:spPr>
+          <a:xfrm>
+            <a:off x="2587709" y="995125"/>
+            <a:ext cx="8473903" cy="4941728"/>
+          </a:xfrm>
+          <a:prstGeom prst="rect">
+            <a:avLst/>
+          </a:prstGeom>
+        </p:spPr>
+      </p:pic>
       <p:grpSp>
         <p:nvGrpSpPr>
-          <p:cNvPr id="4" name="グループ化 3"/>
+          <p:cNvPr id="22" name="グループ化 21"/>
           <p:cNvGrpSpPr/>
           <p:nvPr/>
         </p:nvGrpSpPr>
         <p:grpSpPr>
           <a:xfrm>
-            <a:off x="2260600" y="609600"/>
-            <a:ext cx="8991512" cy="5441553"/>
-            <a:chOff x="8521700" y="685800"/>
-            <a:chExt cx="8991512" cy="5441553"/>
+            <a:off x="2487759" y="892208"/>
+            <a:ext cx="8573853" cy="5158945"/>
+            <a:chOff x="311182" y="0"/>
+            <a:chExt cx="8473903" cy="6858001"/>
           </a:xfrm>
         </p:grpSpPr>
-        <p:pic>
-          <p:nvPicPr>
-            <p:cNvPr id="2" name="図 1"/>
-            <p:cNvPicPr>
-              <a:picLocks noChangeAspect="1"/>
-            </p:cNvPicPr>
+        <p:sp>
+          <p:nvSpPr>
+            <p:cNvPr id="3" name="正方形/長方形 2"/>
+            <p:cNvSpPr/>
             <p:nvPr/>
-          </p:nvPicPr>
-          <p:blipFill>
-            <a:blip r:embed="rId2">
-              <a:extLst>
-                <a:ext uri="{28A0092B-C50C-407E-A947-70E740481C1C}">
-                  <a14:useLocalDpi xmlns:a14="http://schemas.microsoft.com/office/drawing/2010/main" val="0"/>
-                </a:ext>
-              </a:extLst>
-            </a:blip>
-            <a:stretch>
-              <a:fillRect/>
-            </a:stretch>
-          </p:blipFill>
+          </p:nvSpPr>
           <p:spPr>
             <a:xfrm>
-              <a:off x="9039309" y="1071325"/>
-              <a:ext cx="8473903" cy="4941728"/>
+              <a:off x="311182" y="0"/>
+              <a:ext cx="8473903" cy="6857999"/>
             </a:xfrm>
             <a:prstGeom prst="rect">
               <a:avLst/>
             </a:prstGeom>
+            <a:noFill/>
+            <a:ln w="3175">
+              <a:solidFill>
+                <a:schemeClr val="bg1">
+                  <a:lumMod val="75000"/>
+                </a:schemeClr>
+              </a:solidFill>
+            </a:ln>
           </p:spPr>
-        </p:pic>
+          <p:style>
+            <a:lnRef idx="2">
+              <a:schemeClr val="accent4">
+                <a:shade val="50000"/>
+              </a:schemeClr>
+            </a:lnRef>
+            <a:fillRef idx="1">
+              <a:schemeClr val="accent4"/>
+            </a:fillRef>
+            <a:effectRef idx="0">
+              <a:schemeClr val="accent4"/>
+            </a:effectRef>
+            <a:fontRef idx="minor">
+              <a:schemeClr val="lt1"/>
+            </a:fontRef>
+          </p:style>
+          <p:txBody>
+            <a:bodyPr rtlCol="0" anchor="ctr"/>
+            <a:lstStyle/>
+            <a:p>
+              <a:pPr algn="ctr"/>
+              <a:endParaRPr kumimoji="1" lang="ja-JP" altLang="en-US"/>
+            </a:p>
+          </p:txBody>
+        </p:sp>
         <p:grpSp>
           <p:nvGrpSpPr>
-            <p:cNvPr id="37" name="グループ化 36"/>
+            <p:cNvPr id="13" name="グループ化 12"/>
             <p:cNvGrpSpPr/>
             <p:nvPr/>
           </p:nvGrpSpPr>
           <p:grpSpPr>
             <a:xfrm>
-              <a:off x="8521700" y="685800"/>
-              <a:ext cx="8991512" cy="5441553"/>
-              <a:chOff x="-807766" y="-413783"/>
-              <a:chExt cx="8886692" cy="7233683"/>
+              <a:off x="311182" y="0"/>
+              <a:ext cx="8473903" cy="6858000"/>
+              <a:chOff x="1859047" y="0"/>
+              <a:chExt cx="8473903" cy="6858000"/>
             </a:xfrm>
           </p:grpSpPr>
-          <p:grpSp>
-            <p:nvGrpSpPr>
-              <p:cNvPr id="22" name="グループ化 21"/>
-              <p:cNvGrpSpPr/>
+          <p:cxnSp>
+            <p:nvCxnSpPr>
+              <p:cNvPr id="5" name="直線コネクタ 4"/>
+              <p:cNvCxnSpPr/>
               <p:nvPr/>
-            </p:nvGrpSpPr>
-            <p:grpSpPr>
+            </p:nvCxnSpPr>
+            <p:spPr>
               <a:xfrm>
-                <a:off x="-394977" y="-38101"/>
-                <a:ext cx="8473903" cy="6858001"/>
-                <a:chOff x="311182" y="0"/>
-                <a:chExt cx="8473903" cy="6858001"/>
+                <a:off x="1859047" y="0"/>
+                <a:ext cx="0" cy="6858000"/>
               </a:xfrm>
-            </p:grpSpPr>
-            <p:sp>
-              <p:nvSpPr>
-                <p:cNvPr id="3" name="正方形/長方形 2"/>
-                <p:cNvSpPr/>
-                <p:nvPr/>
-              </p:nvSpPr>
-              <p:spPr>
-                <a:xfrm>
-                  <a:off x="311182" y="0"/>
-                  <a:ext cx="8473903" cy="6857999"/>
-                </a:xfrm>
-                <a:prstGeom prst="rect">
-                  <a:avLst/>
-                </a:prstGeom>
-                <a:noFill/>
-                <a:ln w="3175">
-                  <a:solidFill>
-                    <a:schemeClr val="bg1">
-                      <a:lumMod val="75000"/>
-                    </a:schemeClr>
-                  </a:solidFill>
-                </a:ln>
-              </p:spPr>
-              <p:style>
-                <a:lnRef idx="2">
-                  <a:schemeClr val="accent4">
-                    <a:shade val="50000"/>
+              <a:prstGeom prst="line">
+                <a:avLst/>
+              </a:prstGeom>
+              <a:ln w="3175">
+                <a:solidFill>
+                  <a:schemeClr val="bg1">
+                    <a:lumMod val="75000"/>
                   </a:schemeClr>
-                </a:lnRef>
-                <a:fillRef idx="1">
-                  <a:schemeClr val="accent4"/>
-                </a:fillRef>
-                <a:effectRef idx="0">
-                  <a:schemeClr val="accent4"/>
-                </a:effectRef>
-                <a:fontRef idx="minor">
-                  <a:schemeClr val="lt1"/>
-                </a:fontRef>
-              </p:style>
-              <p:txBody>
-                <a:bodyPr rtlCol="0" anchor="ctr"/>
-                <a:lstStyle/>
-                <a:p>
-                  <a:pPr algn="ctr"/>
-                  <a:endParaRPr kumimoji="1" lang="ja-JP" altLang="en-US"/>
-                </a:p>
-              </p:txBody>
-            </p:sp>
-            <p:grpSp>
-              <p:nvGrpSpPr>
-                <p:cNvPr id="13" name="グループ化 12"/>
-                <p:cNvGrpSpPr/>
-                <p:nvPr/>
-              </p:nvGrpSpPr>
-              <p:grpSpPr>
-                <a:xfrm>
-                  <a:off x="311182" y="0"/>
-                  <a:ext cx="8473903" cy="6858000"/>
-                  <a:chOff x="1859047" y="0"/>
-                  <a:chExt cx="8473903" cy="6858000"/>
-                </a:xfrm>
-              </p:grpSpPr>
-              <p:cxnSp>
-                <p:nvCxnSpPr>
-                  <p:cNvPr id="5" name="直線コネクタ 4"/>
-                  <p:cNvCxnSpPr/>
-                  <p:nvPr/>
-                </p:nvCxnSpPr>
-                <p:spPr>
-                  <a:xfrm>
-                    <a:off x="1859047" y="0"/>
-                    <a:ext cx="0" cy="6858000"/>
-                  </a:xfrm>
-                  <a:prstGeom prst="line">
-                    <a:avLst/>
-                  </a:prstGeom>
-                  <a:ln w="3175">
-                    <a:solidFill>
-                      <a:schemeClr val="bg1">
-                        <a:lumMod val="75000"/>
-                      </a:schemeClr>
-                    </a:solidFill>
-                  </a:ln>
-                </p:spPr>
-                <p:style>
-                  <a:lnRef idx="1">
-                    <a:schemeClr val="accent1"/>
-                  </a:lnRef>
-                  <a:fillRef idx="0">
-                    <a:schemeClr val="accent1"/>
-                  </a:fillRef>
-                  <a:effectRef idx="0">
-                    <a:schemeClr val="accent1"/>
-                  </a:effectRef>
-                  <a:fontRef idx="minor">
-                    <a:schemeClr val="tx1"/>
-                  </a:fontRef>
-                </p:style>
-              </p:cxnSp>
-              <p:cxnSp>
-                <p:nvCxnSpPr>
-                  <p:cNvPr id="7" name="直線コネクタ 6"/>
-                  <p:cNvCxnSpPr/>
-                  <p:nvPr/>
-                </p:nvCxnSpPr>
-                <p:spPr>
-                  <a:xfrm>
-                    <a:off x="3271364" y="0"/>
-                    <a:ext cx="0" cy="6858000"/>
-                  </a:xfrm>
-                  <a:prstGeom prst="line">
-                    <a:avLst/>
-                  </a:prstGeom>
-                  <a:ln w="3175">
-                    <a:solidFill>
-                      <a:schemeClr val="bg1">
-                        <a:lumMod val="75000"/>
-                      </a:schemeClr>
-                    </a:solidFill>
-                  </a:ln>
-                </p:spPr>
-                <p:style>
-                  <a:lnRef idx="1">
-                    <a:schemeClr val="accent1"/>
-                  </a:lnRef>
-                  <a:fillRef idx="0">
-                    <a:schemeClr val="accent1"/>
-                  </a:fillRef>
-                  <a:effectRef idx="0">
-                    <a:schemeClr val="accent1"/>
-                  </a:effectRef>
-                  <a:fontRef idx="minor">
-                    <a:schemeClr val="tx1"/>
-                  </a:fontRef>
-                </p:style>
-              </p:cxnSp>
-              <p:cxnSp>
-                <p:nvCxnSpPr>
-                  <p:cNvPr id="8" name="直線コネクタ 7"/>
-                  <p:cNvCxnSpPr/>
-                  <p:nvPr/>
-                </p:nvCxnSpPr>
-                <p:spPr>
-                  <a:xfrm>
-                    <a:off x="4683681" y="0"/>
-                    <a:ext cx="0" cy="6858000"/>
-                  </a:xfrm>
-                  <a:prstGeom prst="line">
-                    <a:avLst/>
-                  </a:prstGeom>
-                  <a:ln w="3175">
-                    <a:solidFill>
-                      <a:schemeClr val="bg1">
-                        <a:lumMod val="75000"/>
-                      </a:schemeClr>
-                    </a:solidFill>
-                  </a:ln>
-                </p:spPr>
-                <p:style>
-                  <a:lnRef idx="1">
-                    <a:schemeClr val="accent1"/>
-                  </a:lnRef>
-                  <a:fillRef idx="0">
-                    <a:schemeClr val="accent1"/>
-                  </a:fillRef>
-                  <a:effectRef idx="0">
-                    <a:schemeClr val="accent1"/>
-                  </a:effectRef>
-                  <a:fontRef idx="minor">
-                    <a:schemeClr val="tx1"/>
-                  </a:fontRef>
-                </p:style>
-              </p:cxnSp>
-              <p:cxnSp>
-                <p:nvCxnSpPr>
-                  <p:cNvPr id="9" name="直線コネクタ 8"/>
-                  <p:cNvCxnSpPr/>
-                  <p:nvPr/>
-                </p:nvCxnSpPr>
-                <p:spPr>
-                  <a:xfrm>
-                    <a:off x="6095998" y="0"/>
-                    <a:ext cx="0" cy="6858000"/>
-                  </a:xfrm>
-                  <a:prstGeom prst="line">
-                    <a:avLst/>
-                  </a:prstGeom>
-                  <a:ln w="3175">
-                    <a:solidFill>
-                      <a:schemeClr val="bg1">
-                        <a:lumMod val="75000"/>
-                      </a:schemeClr>
-                    </a:solidFill>
-                  </a:ln>
-                </p:spPr>
-                <p:style>
-                  <a:lnRef idx="1">
-                    <a:schemeClr val="accent1"/>
-                  </a:lnRef>
-                  <a:fillRef idx="0">
-                    <a:schemeClr val="accent1"/>
-                  </a:fillRef>
-                  <a:effectRef idx="0">
-                    <a:schemeClr val="accent1"/>
-                  </a:effectRef>
-                  <a:fontRef idx="minor">
-                    <a:schemeClr val="tx1"/>
-                  </a:fontRef>
-                </p:style>
-              </p:cxnSp>
-              <p:cxnSp>
-                <p:nvCxnSpPr>
-                  <p:cNvPr id="10" name="直線コネクタ 9"/>
-                  <p:cNvCxnSpPr/>
-                  <p:nvPr/>
-                </p:nvCxnSpPr>
-                <p:spPr>
-                  <a:xfrm>
-                    <a:off x="7508315" y="0"/>
-                    <a:ext cx="0" cy="6858000"/>
-                  </a:xfrm>
-                  <a:prstGeom prst="line">
-                    <a:avLst/>
-                  </a:prstGeom>
-                  <a:ln w="3175">
-                    <a:solidFill>
-                      <a:schemeClr val="bg1">
-                        <a:lumMod val="75000"/>
-                      </a:schemeClr>
-                    </a:solidFill>
-                  </a:ln>
-                </p:spPr>
-                <p:style>
-                  <a:lnRef idx="1">
-                    <a:schemeClr val="accent1"/>
-                  </a:lnRef>
-                  <a:fillRef idx="0">
-                    <a:schemeClr val="accent1"/>
-                  </a:fillRef>
-                  <a:effectRef idx="0">
-                    <a:schemeClr val="accent1"/>
-                  </a:effectRef>
-                  <a:fontRef idx="minor">
-                    <a:schemeClr val="tx1"/>
-                  </a:fontRef>
-                </p:style>
-              </p:cxnSp>
-              <p:cxnSp>
-                <p:nvCxnSpPr>
-                  <p:cNvPr id="11" name="直線コネクタ 10"/>
-                  <p:cNvCxnSpPr/>
-                  <p:nvPr/>
-                </p:nvCxnSpPr>
-                <p:spPr>
-                  <a:xfrm>
-                    <a:off x="8920632" y="0"/>
-                    <a:ext cx="0" cy="6858000"/>
-                  </a:xfrm>
-                  <a:prstGeom prst="line">
-                    <a:avLst/>
-                  </a:prstGeom>
-                  <a:ln w="3175">
-                    <a:solidFill>
-                      <a:schemeClr val="bg1">
-                        <a:lumMod val="75000"/>
-                      </a:schemeClr>
-                    </a:solidFill>
-                  </a:ln>
-                </p:spPr>
-                <p:style>
-                  <a:lnRef idx="1">
-                    <a:schemeClr val="accent1"/>
-                  </a:lnRef>
-                  <a:fillRef idx="0">
-                    <a:schemeClr val="accent1"/>
-                  </a:fillRef>
-                  <a:effectRef idx="0">
-                    <a:schemeClr val="accent1"/>
-                  </a:effectRef>
-                  <a:fontRef idx="minor">
-                    <a:schemeClr val="tx1"/>
-                  </a:fontRef>
-                </p:style>
-              </p:cxnSp>
-              <p:cxnSp>
-                <p:nvCxnSpPr>
-                  <p:cNvPr id="12" name="直線コネクタ 11"/>
-                  <p:cNvCxnSpPr/>
-                  <p:nvPr/>
-                </p:nvCxnSpPr>
-                <p:spPr>
-                  <a:xfrm>
-                    <a:off x="10332950" y="0"/>
-                    <a:ext cx="0" cy="6858000"/>
-                  </a:xfrm>
-                  <a:prstGeom prst="line">
-                    <a:avLst/>
-                  </a:prstGeom>
-                  <a:ln w="3175">
-                    <a:solidFill>
-                      <a:schemeClr val="bg1">
-                        <a:lumMod val="75000"/>
-                      </a:schemeClr>
-                    </a:solidFill>
-                  </a:ln>
-                </p:spPr>
-                <p:style>
-                  <a:lnRef idx="1">
-                    <a:schemeClr val="accent1"/>
-                  </a:lnRef>
-                  <a:fillRef idx="0">
-                    <a:schemeClr val="accent1"/>
-                  </a:fillRef>
-                  <a:effectRef idx="0">
-                    <a:schemeClr val="accent1"/>
-                  </a:effectRef>
-                  <a:fontRef idx="minor">
-                    <a:schemeClr val="tx1"/>
-                  </a:fontRef>
-                </p:style>
-              </p:cxnSp>
-            </p:grpSp>
-            <p:grpSp>
-              <p:nvGrpSpPr>
-                <p:cNvPr id="14" name="グループ化 13"/>
-                <p:cNvGrpSpPr/>
-                <p:nvPr/>
-              </p:nvGrpSpPr>
-              <p:grpSpPr>
-                <a:xfrm rot="5400000">
-                  <a:off x="1119134" y="-807951"/>
-                  <a:ext cx="6858000" cy="8473903"/>
-                  <a:chOff x="1859047" y="0"/>
-                  <a:chExt cx="8473903" cy="6858000"/>
-                </a:xfrm>
-              </p:grpSpPr>
-              <p:cxnSp>
-                <p:nvCxnSpPr>
-                  <p:cNvPr id="15" name="直線コネクタ 14"/>
-                  <p:cNvCxnSpPr/>
-                  <p:nvPr/>
-                </p:nvCxnSpPr>
-                <p:spPr>
-                  <a:xfrm>
-                    <a:off x="1859047" y="0"/>
-                    <a:ext cx="0" cy="6858000"/>
-                  </a:xfrm>
-                  <a:prstGeom prst="line">
-                    <a:avLst/>
-                  </a:prstGeom>
-                  <a:ln w="3175">
-                    <a:solidFill>
-                      <a:schemeClr val="bg1">
-                        <a:lumMod val="75000"/>
-                      </a:schemeClr>
-                    </a:solidFill>
-                  </a:ln>
-                </p:spPr>
-                <p:style>
-                  <a:lnRef idx="1">
-                    <a:schemeClr val="accent1"/>
-                  </a:lnRef>
-                  <a:fillRef idx="0">
-                    <a:schemeClr val="accent1"/>
-                  </a:fillRef>
-                  <a:effectRef idx="0">
-                    <a:schemeClr val="accent1"/>
-                  </a:effectRef>
-                  <a:fontRef idx="minor">
-                    <a:schemeClr val="tx1"/>
-                  </a:fontRef>
-                </p:style>
-              </p:cxnSp>
-              <p:cxnSp>
-                <p:nvCxnSpPr>
-                  <p:cNvPr id="16" name="直線コネクタ 15"/>
-                  <p:cNvCxnSpPr/>
-                  <p:nvPr/>
-                </p:nvCxnSpPr>
-                <p:spPr>
-                  <a:xfrm>
-                    <a:off x="3271364" y="0"/>
-                    <a:ext cx="0" cy="6858000"/>
-                  </a:xfrm>
-                  <a:prstGeom prst="line">
-                    <a:avLst/>
-                  </a:prstGeom>
-                  <a:ln w="3175">
-                    <a:solidFill>
-                      <a:schemeClr val="bg1">
-                        <a:lumMod val="75000"/>
-                      </a:schemeClr>
-                    </a:solidFill>
-                  </a:ln>
-                </p:spPr>
-                <p:style>
-                  <a:lnRef idx="1">
-                    <a:schemeClr val="accent1"/>
-                  </a:lnRef>
-                  <a:fillRef idx="0">
-                    <a:schemeClr val="accent1"/>
-                  </a:fillRef>
-                  <a:effectRef idx="0">
-                    <a:schemeClr val="accent1"/>
-                  </a:effectRef>
-                  <a:fontRef idx="minor">
-                    <a:schemeClr val="tx1"/>
-                  </a:fontRef>
-                </p:style>
-              </p:cxnSp>
-              <p:cxnSp>
-                <p:nvCxnSpPr>
-                  <p:cNvPr id="17" name="直線コネクタ 16"/>
-                  <p:cNvCxnSpPr/>
-                  <p:nvPr/>
-                </p:nvCxnSpPr>
-                <p:spPr>
-                  <a:xfrm>
-                    <a:off x="4683681" y="0"/>
-                    <a:ext cx="0" cy="6858000"/>
-                  </a:xfrm>
-                  <a:prstGeom prst="line">
-                    <a:avLst/>
-                  </a:prstGeom>
-                  <a:ln w="3175">
-                    <a:solidFill>
-                      <a:schemeClr val="bg1">
-                        <a:lumMod val="75000"/>
-                      </a:schemeClr>
-                    </a:solidFill>
-                  </a:ln>
-                </p:spPr>
-                <p:style>
-                  <a:lnRef idx="1">
-                    <a:schemeClr val="accent1"/>
-                  </a:lnRef>
-                  <a:fillRef idx="0">
-                    <a:schemeClr val="accent1"/>
-                  </a:fillRef>
-                  <a:effectRef idx="0">
-                    <a:schemeClr val="accent1"/>
-                  </a:effectRef>
-                  <a:fontRef idx="minor">
-                    <a:schemeClr val="tx1"/>
-                  </a:fontRef>
-                </p:style>
-              </p:cxnSp>
-              <p:cxnSp>
-                <p:nvCxnSpPr>
-                  <p:cNvPr id="18" name="直線コネクタ 17"/>
-                  <p:cNvCxnSpPr/>
-                  <p:nvPr/>
-                </p:nvCxnSpPr>
-                <p:spPr>
-                  <a:xfrm>
-                    <a:off x="6095998" y="0"/>
-                    <a:ext cx="0" cy="6858000"/>
-                  </a:xfrm>
-                  <a:prstGeom prst="line">
-                    <a:avLst/>
-                  </a:prstGeom>
-                  <a:ln w="3175">
-                    <a:solidFill>
-                      <a:schemeClr val="bg1">
-                        <a:lumMod val="75000"/>
-                      </a:schemeClr>
-                    </a:solidFill>
-                  </a:ln>
-                </p:spPr>
-                <p:style>
-                  <a:lnRef idx="1">
-                    <a:schemeClr val="accent1"/>
-                  </a:lnRef>
-                  <a:fillRef idx="0">
-                    <a:schemeClr val="accent1"/>
-                  </a:fillRef>
-                  <a:effectRef idx="0">
-                    <a:schemeClr val="accent1"/>
-                  </a:effectRef>
-                  <a:fontRef idx="minor">
-                    <a:schemeClr val="tx1"/>
-                  </a:fontRef>
-                </p:style>
-              </p:cxnSp>
-              <p:cxnSp>
-                <p:nvCxnSpPr>
-                  <p:cNvPr id="19" name="直線コネクタ 18"/>
-                  <p:cNvCxnSpPr/>
-                  <p:nvPr/>
-                </p:nvCxnSpPr>
-                <p:spPr>
-                  <a:xfrm>
-                    <a:off x="7508315" y="0"/>
-                    <a:ext cx="0" cy="6858000"/>
-                  </a:xfrm>
-                  <a:prstGeom prst="line">
-                    <a:avLst/>
-                  </a:prstGeom>
-                  <a:ln w="3175">
-                    <a:solidFill>
-                      <a:schemeClr val="bg1">
-                        <a:lumMod val="75000"/>
-                      </a:schemeClr>
-                    </a:solidFill>
-                  </a:ln>
-                </p:spPr>
-                <p:style>
-                  <a:lnRef idx="1">
-                    <a:schemeClr val="accent1"/>
-                  </a:lnRef>
-                  <a:fillRef idx="0">
-                    <a:schemeClr val="accent1"/>
-                  </a:fillRef>
-                  <a:effectRef idx="0">
-                    <a:schemeClr val="accent1"/>
-                  </a:effectRef>
-                  <a:fontRef idx="minor">
-                    <a:schemeClr val="tx1"/>
-                  </a:fontRef>
-                </p:style>
-              </p:cxnSp>
-              <p:cxnSp>
-                <p:nvCxnSpPr>
-                  <p:cNvPr id="20" name="直線コネクタ 19"/>
-                  <p:cNvCxnSpPr/>
-                  <p:nvPr/>
-                </p:nvCxnSpPr>
-                <p:spPr>
-                  <a:xfrm>
-                    <a:off x="8920632" y="0"/>
-                    <a:ext cx="0" cy="6858000"/>
-                  </a:xfrm>
-                  <a:prstGeom prst="line">
-                    <a:avLst/>
-                  </a:prstGeom>
-                  <a:ln w="3175">
-                    <a:solidFill>
-                      <a:schemeClr val="bg1">
-                        <a:lumMod val="75000"/>
-                      </a:schemeClr>
-                    </a:solidFill>
-                  </a:ln>
-                </p:spPr>
-                <p:style>
-                  <a:lnRef idx="1">
-                    <a:schemeClr val="accent1"/>
-                  </a:lnRef>
-                  <a:fillRef idx="0">
-                    <a:schemeClr val="accent1"/>
-                  </a:fillRef>
-                  <a:effectRef idx="0">
-                    <a:schemeClr val="accent1"/>
-                  </a:effectRef>
-                  <a:fontRef idx="minor">
-                    <a:schemeClr val="tx1"/>
-                  </a:fontRef>
-                </p:style>
-              </p:cxnSp>
-              <p:cxnSp>
-                <p:nvCxnSpPr>
-                  <p:cNvPr id="21" name="直線コネクタ 20"/>
-                  <p:cNvCxnSpPr/>
-                  <p:nvPr/>
-                </p:nvCxnSpPr>
-                <p:spPr>
-                  <a:xfrm>
-                    <a:off x="10332950" y="0"/>
-                    <a:ext cx="0" cy="6858000"/>
-                  </a:xfrm>
-                  <a:prstGeom prst="line">
-                    <a:avLst/>
-                  </a:prstGeom>
-                  <a:ln w="3175">
-                    <a:solidFill>
-                      <a:schemeClr val="bg1">
-                        <a:lumMod val="75000"/>
-                      </a:schemeClr>
-                    </a:solidFill>
-                  </a:ln>
-                </p:spPr>
-                <p:style>
-                  <a:lnRef idx="1">
-                    <a:schemeClr val="accent1"/>
-                  </a:lnRef>
-                  <a:fillRef idx="0">
-                    <a:schemeClr val="accent1"/>
-                  </a:fillRef>
-                  <a:effectRef idx="0">
-                    <a:schemeClr val="accent1"/>
-                  </a:effectRef>
-                  <a:fontRef idx="minor">
-                    <a:schemeClr val="tx1"/>
-                  </a:fontRef>
-                </p:style>
-              </p:cxnSp>
-            </p:grpSp>
-          </p:grpSp>
-          <p:grpSp>
-            <p:nvGrpSpPr>
-              <p:cNvPr id="29" name="グループ化 28"/>
-              <p:cNvGrpSpPr/>
+                </a:solidFill>
+              </a:ln>
+            </p:spPr>
+            <p:style>
+              <a:lnRef idx="1">
+                <a:schemeClr val="accent1"/>
+              </a:lnRef>
+              <a:fillRef idx="0">
+                <a:schemeClr val="accent1"/>
+              </a:fillRef>
+              <a:effectRef idx="0">
+                <a:schemeClr val="accent1"/>
+              </a:effectRef>
+              <a:fontRef idx="minor">
+                <a:schemeClr val="tx1"/>
+              </a:fontRef>
+            </p:style>
+          </p:cxnSp>
+          <p:cxnSp>
+            <p:nvCxnSpPr>
+              <p:cNvPr id="7" name="直線コネクタ 6"/>
+              <p:cNvCxnSpPr/>
               <p:nvPr/>
-            </p:nvGrpSpPr>
-            <p:grpSpPr>
+            </p:nvCxnSpPr>
+            <p:spPr>
               <a:xfrm>
-                <a:off x="-394978" y="-413783"/>
-                <a:ext cx="8473904" cy="369332"/>
-                <a:chOff x="-394978" y="-413783"/>
-                <a:chExt cx="8473904" cy="369332"/>
+                <a:off x="3271364" y="0"/>
+                <a:ext cx="0" cy="6858000"/>
               </a:xfrm>
-            </p:grpSpPr>
-            <p:sp>
-              <p:nvSpPr>
-                <p:cNvPr id="23" name="テキスト ボックス 22"/>
-                <p:cNvSpPr txBox="1"/>
-                <p:nvPr/>
-              </p:nvSpPr>
-              <p:spPr>
-                <a:xfrm>
-                  <a:off x="-394978" y="-413783"/>
-                  <a:ext cx="1412317" cy="369332"/>
-                </a:xfrm>
-                <a:prstGeom prst="rect">
-                  <a:avLst/>
-                </a:prstGeom>
-                <a:ln>
-                  <a:solidFill>
-                    <a:schemeClr val="bg1"/>
-                  </a:solidFill>
-                </a:ln>
-              </p:spPr>
-              <p:style>
-                <a:lnRef idx="2">
-                  <a:schemeClr val="dk1">
-                    <a:shade val="50000"/>
+              <a:prstGeom prst="line">
+                <a:avLst/>
+              </a:prstGeom>
+              <a:ln w="3175">
+                <a:solidFill>
+                  <a:schemeClr val="bg1">
+                    <a:lumMod val="75000"/>
                   </a:schemeClr>
-                </a:lnRef>
-                <a:fillRef idx="1">
-                  <a:schemeClr val="dk1"/>
-                </a:fillRef>
-                <a:effectRef idx="0">
-                  <a:schemeClr val="dk1"/>
-                </a:effectRef>
-                <a:fontRef idx="minor">
-                  <a:schemeClr val="lt1"/>
-                </a:fontRef>
-              </p:style>
-              <p:txBody>
-                <a:bodyPr wrap="square" rtlCol="0">
-                  <a:spAutoFit/>
-                </a:bodyPr>
-                <a:lstStyle/>
-                <a:p>
-                  <a:pPr algn="ctr"/>
-                  <a:r>
-                    <a:rPr kumimoji="1" lang="en-US" altLang="ja-JP" dirty="0" smtClean="0">
-                      <a:latin typeface="BIZ UDゴシック" panose="020B0400000000000000" pitchFamily="49" charset="-128"/>
-                      <a:ea typeface="BIZ UDゴシック" panose="020B0400000000000000" pitchFamily="49" charset="-128"/>
-                    </a:rPr>
-                    <a:t>A</a:t>
-                  </a:r>
-                </a:p>
-              </p:txBody>
-            </p:sp>
-            <p:sp>
-              <p:nvSpPr>
-                <p:cNvPr id="24" name="テキスト ボックス 23"/>
-                <p:cNvSpPr txBox="1"/>
-                <p:nvPr/>
-              </p:nvSpPr>
-              <p:spPr>
-                <a:xfrm>
-                  <a:off x="1017339" y="-413783"/>
-                  <a:ext cx="1412317" cy="369332"/>
-                </a:xfrm>
-                <a:prstGeom prst="rect">
-                  <a:avLst/>
-                </a:prstGeom>
-                <a:ln>
-                  <a:solidFill>
-                    <a:schemeClr val="bg1"/>
-                  </a:solidFill>
-                </a:ln>
-              </p:spPr>
-              <p:style>
-                <a:lnRef idx="2">
-                  <a:schemeClr val="dk1">
-                    <a:shade val="50000"/>
+                </a:solidFill>
+              </a:ln>
+            </p:spPr>
+            <p:style>
+              <a:lnRef idx="1">
+                <a:schemeClr val="accent1"/>
+              </a:lnRef>
+              <a:fillRef idx="0">
+                <a:schemeClr val="accent1"/>
+              </a:fillRef>
+              <a:effectRef idx="0">
+                <a:schemeClr val="accent1"/>
+              </a:effectRef>
+              <a:fontRef idx="minor">
+                <a:schemeClr val="tx1"/>
+              </a:fontRef>
+            </p:style>
+          </p:cxnSp>
+          <p:cxnSp>
+            <p:nvCxnSpPr>
+              <p:cNvPr id="8" name="直線コネクタ 7"/>
+              <p:cNvCxnSpPr/>
+              <p:nvPr/>
+            </p:nvCxnSpPr>
+            <p:spPr>
+              <a:xfrm>
+                <a:off x="4683681" y="0"/>
+                <a:ext cx="0" cy="6858000"/>
+              </a:xfrm>
+              <a:prstGeom prst="line">
+                <a:avLst/>
+              </a:prstGeom>
+              <a:ln w="3175">
+                <a:solidFill>
+                  <a:schemeClr val="bg1">
+                    <a:lumMod val="75000"/>
                   </a:schemeClr>
-                </a:lnRef>
-                <a:fillRef idx="1">
-                  <a:schemeClr val="dk1"/>
-                </a:fillRef>
-                <a:effectRef idx="0">
-                  <a:schemeClr val="dk1"/>
-                </a:effectRef>
-                <a:fontRef idx="minor">
-                  <a:schemeClr val="lt1"/>
-                </a:fontRef>
-              </p:style>
-              <p:txBody>
-                <a:bodyPr wrap="square" rtlCol="0">
-                  <a:spAutoFit/>
-                </a:bodyPr>
-                <a:lstStyle/>
-                <a:p>
-                  <a:pPr algn="ctr"/>
-                  <a:r>
-                    <a:rPr lang="en-US" altLang="ja-JP" dirty="0" smtClean="0">
-                      <a:latin typeface="BIZ UDゴシック" panose="020B0400000000000000" pitchFamily="49" charset="-128"/>
-                      <a:ea typeface="BIZ UDゴシック" panose="020B0400000000000000" pitchFamily="49" charset="-128"/>
-                    </a:rPr>
-                    <a:t>B</a:t>
-                  </a:r>
-                  <a:endParaRPr kumimoji="1" lang="en-US" altLang="ja-JP" dirty="0" smtClean="0">
-                    <a:latin typeface="BIZ UDゴシック" panose="020B0400000000000000" pitchFamily="49" charset="-128"/>
-                    <a:ea typeface="BIZ UDゴシック" panose="020B0400000000000000" pitchFamily="49" charset="-128"/>
-                  </a:endParaRPr>
-                </a:p>
-              </p:txBody>
-            </p:sp>
-            <p:sp>
-              <p:nvSpPr>
-                <p:cNvPr id="25" name="テキスト ボックス 24"/>
-                <p:cNvSpPr txBox="1"/>
-                <p:nvPr/>
-              </p:nvSpPr>
-              <p:spPr>
-                <a:xfrm>
-                  <a:off x="2429656" y="-413783"/>
-                  <a:ext cx="1412317" cy="369332"/>
-                </a:xfrm>
-                <a:prstGeom prst="rect">
-                  <a:avLst/>
-                </a:prstGeom>
-                <a:ln>
-                  <a:solidFill>
-                    <a:schemeClr val="bg1"/>
-                  </a:solidFill>
-                </a:ln>
-              </p:spPr>
-              <p:style>
-                <a:lnRef idx="2">
-                  <a:schemeClr val="dk1">
-                    <a:shade val="50000"/>
+                </a:solidFill>
+              </a:ln>
+            </p:spPr>
+            <p:style>
+              <a:lnRef idx="1">
+                <a:schemeClr val="accent1"/>
+              </a:lnRef>
+              <a:fillRef idx="0">
+                <a:schemeClr val="accent1"/>
+              </a:fillRef>
+              <a:effectRef idx="0">
+                <a:schemeClr val="accent1"/>
+              </a:effectRef>
+              <a:fontRef idx="minor">
+                <a:schemeClr val="tx1"/>
+              </a:fontRef>
+            </p:style>
+          </p:cxnSp>
+          <p:cxnSp>
+            <p:nvCxnSpPr>
+              <p:cNvPr id="9" name="直線コネクタ 8"/>
+              <p:cNvCxnSpPr/>
+              <p:nvPr/>
+            </p:nvCxnSpPr>
+            <p:spPr>
+              <a:xfrm>
+                <a:off x="6095998" y="0"/>
+                <a:ext cx="0" cy="6858000"/>
+              </a:xfrm>
+              <a:prstGeom prst="line">
+                <a:avLst/>
+              </a:prstGeom>
+              <a:ln w="3175">
+                <a:solidFill>
+                  <a:schemeClr val="bg1">
+                    <a:lumMod val="75000"/>
                   </a:schemeClr>
-                </a:lnRef>
-                <a:fillRef idx="1">
-                  <a:schemeClr val="dk1"/>
-                </a:fillRef>
-                <a:effectRef idx="0">
-                  <a:schemeClr val="dk1"/>
-                </a:effectRef>
-                <a:fontRef idx="minor">
-                  <a:schemeClr val="lt1"/>
-                </a:fontRef>
-              </p:style>
-              <p:txBody>
-                <a:bodyPr wrap="square" rtlCol="0">
-                  <a:spAutoFit/>
-                </a:bodyPr>
-                <a:lstStyle/>
-                <a:p>
-                  <a:pPr algn="ctr"/>
-                  <a:r>
-                    <a:rPr kumimoji="1" lang="en-US" altLang="ja-JP" dirty="0" smtClean="0">
-                      <a:latin typeface="BIZ UDゴシック" panose="020B0400000000000000" pitchFamily="49" charset="-128"/>
-                      <a:ea typeface="BIZ UDゴシック" panose="020B0400000000000000" pitchFamily="49" charset="-128"/>
-                    </a:rPr>
-                    <a:t>C</a:t>
-                  </a:r>
-                </a:p>
-              </p:txBody>
-            </p:sp>
-            <p:sp>
-              <p:nvSpPr>
-                <p:cNvPr id="26" name="テキスト ボックス 25"/>
-                <p:cNvSpPr txBox="1"/>
-                <p:nvPr/>
-              </p:nvSpPr>
-              <p:spPr>
-                <a:xfrm>
-                  <a:off x="3841973" y="-413783"/>
-                  <a:ext cx="1412317" cy="369332"/>
-                </a:xfrm>
-                <a:prstGeom prst="rect">
-                  <a:avLst/>
-                </a:prstGeom>
-                <a:ln>
-                  <a:solidFill>
-                    <a:schemeClr val="bg1"/>
-                  </a:solidFill>
-                </a:ln>
-              </p:spPr>
-              <p:style>
-                <a:lnRef idx="2">
-                  <a:schemeClr val="dk1">
-                    <a:shade val="50000"/>
+                </a:solidFill>
+              </a:ln>
+            </p:spPr>
+            <p:style>
+              <a:lnRef idx="1">
+                <a:schemeClr val="accent1"/>
+              </a:lnRef>
+              <a:fillRef idx="0">
+                <a:schemeClr val="accent1"/>
+              </a:fillRef>
+              <a:effectRef idx="0">
+                <a:schemeClr val="accent1"/>
+              </a:effectRef>
+              <a:fontRef idx="minor">
+                <a:schemeClr val="tx1"/>
+              </a:fontRef>
+            </p:style>
+          </p:cxnSp>
+          <p:cxnSp>
+            <p:nvCxnSpPr>
+              <p:cNvPr id="10" name="直線コネクタ 9"/>
+              <p:cNvCxnSpPr/>
+              <p:nvPr/>
+            </p:nvCxnSpPr>
+            <p:spPr>
+              <a:xfrm>
+                <a:off x="7508315" y="0"/>
+                <a:ext cx="0" cy="6858000"/>
+              </a:xfrm>
+              <a:prstGeom prst="line">
+                <a:avLst/>
+              </a:prstGeom>
+              <a:ln w="3175">
+                <a:solidFill>
+                  <a:schemeClr val="bg1">
+                    <a:lumMod val="75000"/>
                   </a:schemeClr>
-                </a:lnRef>
-                <a:fillRef idx="1">
-                  <a:schemeClr val="dk1"/>
-                </a:fillRef>
-                <a:effectRef idx="0">
-                  <a:schemeClr val="dk1"/>
-                </a:effectRef>
-                <a:fontRef idx="minor">
-                  <a:schemeClr val="lt1"/>
-                </a:fontRef>
-              </p:style>
-              <p:txBody>
-                <a:bodyPr wrap="square" rtlCol="0">
-                  <a:spAutoFit/>
-                </a:bodyPr>
-                <a:lstStyle/>
-                <a:p>
-                  <a:pPr algn="ctr"/>
-                  <a:r>
-                    <a:rPr lang="en-US" altLang="ja-JP" dirty="0" smtClean="0">
-                      <a:latin typeface="BIZ UDゴシック" panose="020B0400000000000000" pitchFamily="49" charset="-128"/>
-                      <a:ea typeface="BIZ UDゴシック" panose="020B0400000000000000" pitchFamily="49" charset="-128"/>
-                    </a:rPr>
-                    <a:t>D</a:t>
-                  </a:r>
-                </a:p>
-              </p:txBody>
-            </p:sp>
-            <p:sp>
-              <p:nvSpPr>
-                <p:cNvPr id="27" name="テキスト ボックス 26"/>
-                <p:cNvSpPr txBox="1"/>
-                <p:nvPr/>
-              </p:nvSpPr>
-              <p:spPr>
-                <a:xfrm>
-                  <a:off x="5254290" y="-413783"/>
-                  <a:ext cx="1412317" cy="369332"/>
-                </a:xfrm>
-                <a:prstGeom prst="rect">
-                  <a:avLst/>
-                </a:prstGeom>
-                <a:ln>
-                  <a:solidFill>
-                    <a:schemeClr val="bg1"/>
-                  </a:solidFill>
-                </a:ln>
-              </p:spPr>
-              <p:style>
-                <a:lnRef idx="2">
-                  <a:schemeClr val="dk1">
-                    <a:shade val="50000"/>
+                </a:solidFill>
+              </a:ln>
+            </p:spPr>
+            <p:style>
+              <a:lnRef idx="1">
+                <a:schemeClr val="accent1"/>
+              </a:lnRef>
+              <a:fillRef idx="0">
+                <a:schemeClr val="accent1"/>
+              </a:fillRef>
+              <a:effectRef idx="0">
+                <a:schemeClr val="accent1"/>
+              </a:effectRef>
+              <a:fontRef idx="minor">
+                <a:schemeClr val="tx1"/>
+              </a:fontRef>
+            </p:style>
+          </p:cxnSp>
+          <p:cxnSp>
+            <p:nvCxnSpPr>
+              <p:cNvPr id="11" name="直線コネクタ 10"/>
+              <p:cNvCxnSpPr/>
+              <p:nvPr/>
+            </p:nvCxnSpPr>
+            <p:spPr>
+              <a:xfrm>
+                <a:off x="8920632" y="0"/>
+                <a:ext cx="0" cy="6858000"/>
+              </a:xfrm>
+              <a:prstGeom prst="line">
+                <a:avLst/>
+              </a:prstGeom>
+              <a:ln w="3175">
+                <a:solidFill>
+                  <a:schemeClr val="bg1">
+                    <a:lumMod val="75000"/>
                   </a:schemeClr>
-                </a:lnRef>
-                <a:fillRef idx="1">
-                  <a:schemeClr val="dk1"/>
-                </a:fillRef>
-                <a:effectRef idx="0">
-                  <a:schemeClr val="dk1"/>
-                </a:effectRef>
-                <a:fontRef idx="minor">
-                  <a:schemeClr val="lt1"/>
-                </a:fontRef>
-              </p:style>
-              <p:txBody>
-                <a:bodyPr wrap="square" rtlCol="0">
-                  <a:spAutoFit/>
-                </a:bodyPr>
-                <a:lstStyle/>
-                <a:p>
-                  <a:pPr algn="ctr"/>
-                  <a:r>
-                    <a:rPr kumimoji="1" lang="en-US" altLang="ja-JP" dirty="0" smtClean="0">
-                      <a:latin typeface="BIZ UDゴシック" panose="020B0400000000000000" pitchFamily="49" charset="-128"/>
-                      <a:ea typeface="BIZ UDゴシック" panose="020B0400000000000000" pitchFamily="49" charset="-128"/>
-                    </a:rPr>
-                    <a:t>E</a:t>
-                  </a:r>
-                </a:p>
-              </p:txBody>
-            </p:sp>
-            <p:sp>
-              <p:nvSpPr>
-                <p:cNvPr id="28" name="テキスト ボックス 27"/>
-                <p:cNvSpPr txBox="1"/>
-                <p:nvPr/>
-              </p:nvSpPr>
-              <p:spPr>
-                <a:xfrm>
-                  <a:off x="6666609" y="-413783"/>
-                  <a:ext cx="1412317" cy="369332"/>
-                </a:xfrm>
-                <a:prstGeom prst="rect">
-                  <a:avLst/>
-                </a:prstGeom>
-                <a:ln>
-                  <a:solidFill>
-                    <a:schemeClr val="bg1"/>
-                  </a:solidFill>
-                </a:ln>
-              </p:spPr>
-              <p:style>
-                <a:lnRef idx="2">
-                  <a:schemeClr val="dk1">
-                    <a:shade val="50000"/>
+                </a:solidFill>
+              </a:ln>
+            </p:spPr>
+            <p:style>
+              <a:lnRef idx="1">
+                <a:schemeClr val="accent1"/>
+              </a:lnRef>
+              <a:fillRef idx="0">
+                <a:schemeClr val="accent1"/>
+              </a:fillRef>
+              <a:effectRef idx="0">
+                <a:schemeClr val="accent1"/>
+              </a:effectRef>
+              <a:fontRef idx="minor">
+                <a:schemeClr val="tx1"/>
+              </a:fontRef>
+            </p:style>
+          </p:cxnSp>
+          <p:cxnSp>
+            <p:nvCxnSpPr>
+              <p:cNvPr id="12" name="直線コネクタ 11"/>
+              <p:cNvCxnSpPr/>
+              <p:nvPr/>
+            </p:nvCxnSpPr>
+            <p:spPr>
+              <a:xfrm>
+                <a:off x="10332950" y="0"/>
+                <a:ext cx="0" cy="6858000"/>
+              </a:xfrm>
+              <a:prstGeom prst="line">
+                <a:avLst/>
+              </a:prstGeom>
+              <a:ln w="3175">
+                <a:solidFill>
+                  <a:schemeClr val="bg1">
+                    <a:lumMod val="75000"/>
                   </a:schemeClr>
-                </a:lnRef>
-                <a:fillRef idx="1">
-                  <a:schemeClr val="dk1"/>
-                </a:fillRef>
-                <a:effectRef idx="0">
-                  <a:schemeClr val="dk1"/>
-                </a:effectRef>
-                <a:fontRef idx="minor">
-                  <a:schemeClr val="lt1"/>
-                </a:fontRef>
-              </p:style>
-              <p:txBody>
-                <a:bodyPr wrap="square" rtlCol="0">
-                  <a:spAutoFit/>
-                </a:bodyPr>
-                <a:lstStyle/>
-                <a:p>
-                  <a:pPr algn="ctr"/>
-                  <a:r>
-                    <a:rPr kumimoji="1" lang="en-US" altLang="ja-JP" dirty="0" smtClean="0">
-                      <a:latin typeface="BIZ UDゴシック" panose="020B0400000000000000" pitchFamily="49" charset="-128"/>
-                      <a:ea typeface="BIZ UDゴシック" panose="020B0400000000000000" pitchFamily="49" charset="-128"/>
-                    </a:rPr>
-                    <a:t>F</a:t>
-                  </a:r>
-                </a:p>
-              </p:txBody>
-            </p:sp>
-          </p:grpSp>
-          <p:grpSp>
-            <p:nvGrpSpPr>
-              <p:cNvPr id="36" name="グループ化 35"/>
-              <p:cNvGrpSpPr/>
+                </a:solidFill>
+              </a:ln>
+            </p:spPr>
+            <p:style>
+              <a:lnRef idx="1">
+                <a:schemeClr val="accent1"/>
+              </a:lnRef>
+              <a:fillRef idx="0">
+                <a:schemeClr val="accent1"/>
+              </a:fillRef>
+              <a:effectRef idx="0">
+                <a:schemeClr val="accent1"/>
+              </a:effectRef>
+              <a:fontRef idx="minor">
+                <a:schemeClr val="tx1"/>
+              </a:fontRef>
+            </p:style>
+          </p:cxnSp>
+        </p:grpSp>
+        <p:grpSp>
+          <p:nvGrpSpPr>
+            <p:cNvPr id="14" name="グループ化 13"/>
+            <p:cNvGrpSpPr/>
+            <p:nvPr/>
+          </p:nvGrpSpPr>
+          <p:grpSpPr>
+            <a:xfrm rot="5400000">
+              <a:off x="1119134" y="-807951"/>
+              <a:ext cx="6858000" cy="8473903"/>
+              <a:chOff x="1859047" y="0"/>
+              <a:chExt cx="8473903" cy="6858000"/>
+            </a:xfrm>
+          </p:grpSpPr>
+          <p:cxnSp>
+            <p:nvCxnSpPr>
+              <p:cNvPr id="15" name="直線コネクタ 14"/>
+              <p:cNvCxnSpPr/>
               <p:nvPr/>
-            </p:nvGrpSpPr>
-            <p:grpSpPr>
+            </p:nvCxnSpPr>
+            <p:spPr>
               <a:xfrm>
-                <a:off x="-807766" y="-47626"/>
-                <a:ext cx="370800" cy="6861175"/>
-                <a:chOff x="-765780" y="-41276"/>
-                <a:chExt cx="370800" cy="6861175"/>
+                <a:off x="1859047" y="0"/>
+                <a:ext cx="0" cy="6858000"/>
               </a:xfrm>
-            </p:grpSpPr>
-            <p:sp>
-              <p:nvSpPr>
-                <p:cNvPr id="30" name="テキスト ボックス 29"/>
-                <p:cNvSpPr txBox="1"/>
-                <p:nvPr/>
-              </p:nvSpPr>
-              <p:spPr>
-                <a:xfrm>
-                  <a:off x="-765780" y="-41276"/>
-                  <a:ext cx="370800" cy="1149350"/>
-                </a:xfrm>
-                <a:prstGeom prst="rect">
-                  <a:avLst/>
-                </a:prstGeom>
-                <a:ln>
-                  <a:solidFill>
-                    <a:schemeClr val="bg1"/>
-                  </a:solidFill>
-                </a:ln>
-              </p:spPr>
-              <p:style>
-                <a:lnRef idx="2">
-                  <a:schemeClr val="dk1">
-                    <a:shade val="50000"/>
+              <a:prstGeom prst="line">
+                <a:avLst/>
+              </a:prstGeom>
+              <a:ln w="3175">
+                <a:solidFill>
+                  <a:schemeClr val="bg1">
+                    <a:lumMod val="75000"/>
                   </a:schemeClr>
-                </a:lnRef>
-                <a:fillRef idx="1">
-                  <a:schemeClr val="dk1"/>
-                </a:fillRef>
-                <a:effectRef idx="0">
-                  <a:schemeClr val="dk1"/>
-                </a:effectRef>
-                <a:fontRef idx="minor">
-                  <a:schemeClr val="lt1"/>
-                </a:fontRef>
-              </p:style>
-              <p:txBody>
-                <a:bodyPr wrap="square" rtlCol="0" anchor="ctr">
-                  <a:noAutofit/>
-                </a:bodyPr>
-                <a:lstStyle/>
-                <a:p>
-                  <a:pPr algn="ctr"/>
-                  <a:r>
-                    <a:rPr lang="en-US" altLang="ja-JP" dirty="0">
-                      <a:latin typeface="BIZ UDゴシック" panose="020B0400000000000000" pitchFamily="49" charset="-128"/>
-                      <a:ea typeface="BIZ UDゴシック" panose="020B0400000000000000" pitchFamily="49" charset="-128"/>
-                    </a:rPr>
-                    <a:t>1</a:t>
-                  </a:r>
-                  <a:endParaRPr kumimoji="1" lang="en-US" altLang="ja-JP" dirty="0" smtClean="0">
-                    <a:latin typeface="BIZ UDゴシック" panose="020B0400000000000000" pitchFamily="49" charset="-128"/>
-                    <a:ea typeface="BIZ UDゴシック" panose="020B0400000000000000" pitchFamily="49" charset="-128"/>
-                  </a:endParaRPr>
-                </a:p>
-              </p:txBody>
-            </p:sp>
-            <p:sp>
-              <p:nvSpPr>
-                <p:cNvPr id="31" name="テキスト ボックス 30"/>
-                <p:cNvSpPr txBox="1"/>
-                <p:nvPr/>
-              </p:nvSpPr>
-              <p:spPr>
-                <a:xfrm>
-                  <a:off x="-765780" y="1101089"/>
-                  <a:ext cx="370800" cy="1149350"/>
-                </a:xfrm>
-                <a:prstGeom prst="rect">
-                  <a:avLst/>
-                </a:prstGeom>
-                <a:ln>
-                  <a:solidFill>
-                    <a:schemeClr val="bg1"/>
-                  </a:solidFill>
-                </a:ln>
-              </p:spPr>
-              <p:style>
-                <a:lnRef idx="2">
-                  <a:schemeClr val="dk1">
-                    <a:shade val="50000"/>
+                </a:solidFill>
+              </a:ln>
+            </p:spPr>
+            <p:style>
+              <a:lnRef idx="1">
+                <a:schemeClr val="accent1"/>
+              </a:lnRef>
+              <a:fillRef idx="0">
+                <a:schemeClr val="accent1"/>
+              </a:fillRef>
+              <a:effectRef idx="0">
+                <a:schemeClr val="accent1"/>
+              </a:effectRef>
+              <a:fontRef idx="minor">
+                <a:schemeClr val="tx1"/>
+              </a:fontRef>
+            </p:style>
+          </p:cxnSp>
+          <p:cxnSp>
+            <p:nvCxnSpPr>
+              <p:cNvPr id="16" name="直線コネクタ 15"/>
+              <p:cNvCxnSpPr/>
+              <p:nvPr/>
+            </p:nvCxnSpPr>
+            <p:spPr>
+              <a:xfrm>
+                <a:off x="3271364" y="0"/>
+                <a:ext cx="0" cy="6858000"/>
+              </a:xfrm>
+              <a:prstGeom prst="line">
+                <a:avLst/>
+              </a:prstGeom>
+              <a:ln w="3175">
+                <a:solidFill>
+                  <a:schemeClr val="bg1">
+                    <a:lumMod val="75000"/>
                   </a:schemeClr>
-                </a:lnRef>
-                <a:fillRef idx="1">
-                  <a:schemeClr val="dk1"/>
-                </a:fillRef>
-                <a:effectRef idx="0">
-                  <a:schemeClr val="dk1"/>
-                </a:effectRef>
-                <a:fontRef idx="minor">
-                  <a:schemeClr val="lt1"/>
-                </a:fontRef>
-              </p:style>
-              <p:txBody>
-                <a:bodyPr wrap="square" rtlCol="0" anchor="ctr">
-                  <a:noAutofit/>
-                </a:bodyPr>
-                <a:lstStyle/>
-                <a:p>
-                  <a:pPr algn="ctr"/>
-                  <a:r>
-                    <a:rPr lang="en-US" altLang="ja-JP" dirty="0">
-                      <a:latin typeface="BIZ UDゴシック" panose="020B0400000000000000" pitchFamily="49" charset="-128"/>
-                      <a:ea typeface="BIZ UDゴシック" panose="020B0400000000000000" pitchFamily="49" charset="-128"/>
-                    </a:rPr>
-                    <a:t>2</a:t>
-                  </a:r>
-                  <a:endParaRPr kumimoji="1" lang="en-US" altLang="ja-JP" dirty="0" smtClean="0">
-                    <a:latin typeface="BIZ UDゴシック" panose="020B0400000000000000" pitchFamily="49" charset="-128"/>
-                    <a:ea typeface="BIZ UDゴシック" panose="020B0400000000000000" pitchFamily="49" charset="-128"/>
-                  </a:endParaRPr>
-                </a:p>
-              </p:txBody>
-            </p:sp>
-            <p:sp>
-              <p:nvSpPr>
-                <p:cNvPr id="32" name="テキスト ボックス 31"/>
-                <p:cNvSpPr txBox="1"/>
-                <p:nvPr/>
-              </p:nvSpPr>
-              <p:spPr>
-                <a:xfrm>
-                  <a:off x="-765780" y="2243454"/>
-                  <a:ext cx="370800" cy="1149350"/>
-                </a:xfrm>
-                <a:prstGeom prst="rect">
-                  <a:avLst/>
-                </a:prstGeom>
-                <a:ln>
-                  <a:solidFill>
-                    <a:schemeClr val="bg1"/>
-                  </a:solidFill>
-                </a:ln>
-              </p:spPr>
-              <p:style>
-                <a:lnRef idx="2">
-                  <a:schemeClr val="dk1">
-                    <a:shade val="50000"/>
+                </a:solidFill>
+              </a:ln>
+            </p:spPr>
+            <p:style>
+              <a:lnRef idx="1">
+                <a:schemeClr val="accent1"/>
+              </a:lnRef>
+              <a:fillRef idx="0">
+                <a:schemeClr val="accent1"/>
+              </a:fillRef>
+              <a:effectRef idx="0">
+                <a:schemeClr val="accent1"/>
+              </a:effectRef>
+              <a:fontRef idx="minor">
+                <a:schemeClr val="tx1"/>
+              </a:fontRef>
+            </p:style>
+          </p:cxnSp>
+          <p:cxnSp>
+            <p:nvCxnSpPr>
+              <p:cNvPr id="17" name="直線コネクタ 16"/>
+              <p:cNvCxnSpPr/>
+              <p:nvPr/>
+            </p:nvCxnSpPr>
+            <p:spPr>
+              <a:xfrm>
+                <a:off x="4683681" y="0"/>
+                <a:ext cx="0" cy="6858000"/>
+              </a:xfrm>
+              <a:prstGeom prst="line">
+                <a:avLst/>
+              </a:prstGeom>
+              <a:ln w="3175">
+                <a:solidFill>
+                  <a:schemeClr val="bg1">
+                    <a:lumMod val="75000"/>
                   </a:schemeClr>
-                </a:lnRef>
-                <a:fillRef idx="1">
-                  <a:schemeClr val="dk1"/>
-                </a:fillRef>
-                <a:effectRef idx="0">
-                  <a:schemeClr val="dk1"/>
-                </a:effectRef>
-                <a:fontRef idx="minor">
-                  <a:schemeClr val="lt1"/>
-                </a:fontRef>
-              </p:style>
-              <p:txBody>
-                <a:bodyPr wrap="square" rtlCol="0" anchor="ctr">
-                  <a:noAutofit/>
-                </a:bodyPr>
-                <a:lstStyle/>
-                <a:p>
-                  <a:pPr algn="ctr"/>
-                  <a:r>
-                    <a:rPr lang="en-US" altLang="ja-JP" dirty="0">
-                      <a:latin typeface="BIZ UDゴシック" panose="020B0400000000000000" pitchFamily="49" charset="-128"/>
-                      <a:ea typeface="BIZ UDゴシック" panose="020B0400000000000000" pitchFamily="49" charset="-128"/>
-                    </a:rPr>
-                    <a:t>3</a:t>
-                  </a:r>
-                  <a:endParaRPr kumimoji="1" lang="en-US" altLang="ja-JP" dirty="0" smtClean="0">
-                    <a:latin typeface="BIZ UDゴシック" panose="020B0400000000000000" pitchFamily="49" charset="-128"/>
-                    <a:ea typeface="BIZ UDゴシック" panose="020B0400000000000000" pitchFamily="49" charset="-128"/>
-                  </a:endParaRPr>
-                </a:p>
-              </p:txBody>
-            </p:sp>
-            <p:sp>
-              <p:nvSpPr>
-                <p:cNvPr id="33" name="テキスト ボックス 32"/>
-                <p:cNvSpPr txBox="1"/>
-                <p:nvPr/>
-              </p:nvSpPr>
-              <p:spPr>
-                <a:xfrm>
-                  <a:off x="-765780" y="3385819"/>
-                  <a:ext cx="370800" cy="1149350"/>
-                </a:xfrm>
-                <a:prstGeom prst="rect">
-                  <a:avLst/>
-                </a:prstGeom>
-                <a:ln>
-                  <a:solidFill>
-                    <a:schemeClr val="bg1"/>
-                  </a:solidFill>
-                </a:ln>
-              </p:spPr>
-              <p:style>
-                <a:lnRef idx="2">
-                  <a:schemeClr val="dk1">
-                    <a:shade val="50000"/>
+                </a:solidFill>
+              </a:ln>
+            </p:spPr>
+            <p:style>
+              <a:lnRef idx="1">
+                <a:schemeClr val="accent1"/>
+              </a:lnRef>
+              <a:fillRef idx="0">
+                <a:schemeClr val="accent1"/>
+              </a:fillRef>
+              <a:effectRef idx="0">
+                <a:schemeClr val="accent1"/>
+              </a:effectRef>
+              <a:fontRef idx="minor">
+                <a:schemeClr val="tx1"/>
+              </a:fontRef>
+            </p:style>
+          </p:cxnSp>
+          <p:cxnSp>
+            <p:nvCxnSpPr>
+              <p:cNvPr id="18" name="直線コネクタ 17"/>
+              <p:cNvCxnSpPr/>
+              <p:nvPr/>
+            </p:nvCxnSpPr>
+            <p:spPr>
+              <a:xfrm>
+                <a:off x="6095998" y="0"/>
+                <a:ext cx="0" cy="6858000"/>
+              </a:xfrm>
+              <a:prstGeom prst="line">
+                <a:avLst/>
+              </a:prstGeom>
+              <a:ln w="3175">
+                <a:solidFill>
+                  <a:schemeClr val="bg1">
+                    <a:lumMod val="75000"/>
                   </a:schemeClr>
-                </a:lnRef>
-                <a:fillRef idx="1">
-                  <a:schemeClr val="dk1"/>
-                </a:fillRef>
-                <a:effectRef idx="0">
-                  <a:schemeClr val="dk1"/>
-                </a:effectRef>
-                <a:fontRef idx="minor">
-                  <a:schemeClr val="lt1"/>
-                </a:fontRef>
-              </p:style>
-              <p:txBody>
-                <a:bodyPr wrap="square" rtlCol="0" anchor="ctr">
-                  <a:noAutofit/>
-                </a:bodyPr>
-                <a:lstStyle/>
-                <a:p>
-                  <a:pPr algn="ctr"/>
-                  <a:r>
-                    <a:rPr lang="en-US" altLang="ja-JP" dirty="0">
-                      <a:latin typeface="BIZ UDゴシック" panose="020B0400000000000000" pitchFamily="49" charset="-128"/>
-                      <a:ea typeface="BIZ UDゴシック" panose="020B0400000000000000" pitchFamily="49" charset="-128"/>
-                    </a:rPr>
-                    <a:t>4</a:t>
-                  </a:r>
-                  <a:endParaRPr kumimoji="1" lang="en-US" altLang="ja-JP" dirty="0" smtClean="0">
-                    <a:latin typeface="BIZ UDゴシック" panose="020B0400000000000000" pitchFamily="49" charset="-128"/>
-                    <a:ea typeface="BIZ UDゴシック" panose="020B0400000000000000" pitchFamily="49" charset="-128"/>
-                  </a:endParaRPr>
-                </a:p>
-              </p:txBody>
-            </p:sp>
-            <p:sp>
-              <p:nvSpPr>
-                <p:cNvPr id="34" name="テキスト ボックス 33"/>
-                <p:cNvSpPr txBox="1"/>
-                <p:nvPr/>
-              </p:nvSpPr>
-              <p:spPr>
-                <a:xfrm>
-                  <a:off x="-765780" y="4528184"/>
-                  <a:ext cx="370800" cy="1149350"/>
-                </a:xfrm>
-                <a:prstGeom prst="rect">
-                  <a:avLst/>
-                </a:prstGeom>
-                <a:ln>
-                  <a:solidFill>
-                    <a:schemeClr val="bg1"/>
-                  </a:solidFill>
-                </a:ln>
-              </p:spPr>
-              <p:style>
-                <a:lnRef idx="2">
-                  <a:schemeClr val="dk1">
-                    <a:shade val="50000"/>
+                </a:solidFill>
+              </a:ln>
+            </p:spPr>
+            <p:style>
+              <a:lnRef idx="1">
+                <a:schemeClr val="accent1"/>
+              </a:lnRef>
+              <a:fillRef idx="0">
+                <a:schemeClr val="accent1"/>
+              </a:fillRef>
+              <a:effectRef idx="0">
+                <a:schemeClr val="accent1"/>
+              </a:effectRef>
+              <a:fontRef idx="minor">
+                <a:schemeClr val="tx1"/>
+              </a:fontRef>
+            </p:style>
+          </p:cxnSp>
+          <p:cxnSp>
+            <p:nvCxnSpPr>
+              <p:cNvPr id="19" name="直線コネクタ 18"/>
+              <p:cNvCxnSpPr/>
+              <p:nvPr/>
+            </p:nvCxnSpPr>
+            <p:spPr>
+              <a:xfrm>
+                <a:off x="7508315" y="0"/>
+                <a:ext cx="0" cy="6858000"/>
+              </a:xfrm>
+              <a:prstGeom prst="line">
+                <a:avLst/>
+              </a:prstGeom>
+              <a:ln w="3175">
+                <a:solidFill>
+                  <a:schemeClr val="bg1">
+                    <a:lumMod val="75000"/>
                   </a:schemeClr>
-                </a:lnRef>
-                <a:fillRef idx="1">
-                  <a:schemeClr val="dk1"/>
-                </a:fillRef>
-                <a:effectRef idx="0">
-                  <a:schemeClr val="dk1"/>
-                </a:effectRef>
-                <a:fontRef idx="minor">
-                  <a:schemeClr val="lt1"/>
-                </a:fontRef>
-              </p:style>
-              <p:txBody>
-                <a:bodyPr wrap="square" rtlCol="0" anchor="ctr">
-                  <a:noAutofit/>
-                </a:bodyPr>
-                <a:lstStyle/>
-                <a:p>
-                  <a:pPr algn="ctr"/>
-                  <a:r>
-                    <a:rPr lang="en-US" altLang="ja-JP" dirty="0">
-                      <a:latin typeface="BIZ UDゴシック" panose="020B0400000000000000" pitchFamily="49" charset="-128"/>
-                      <a:ea typeface="BIZ UDゴシック" panose="020B0400000000000000" pitchFamily="49" charset="-128"/>
-                    </a:rPr>
-                    <a:t>5</a:t>
-                  </a:r>
-                  <a:endParaRPr kumimoji="1" lang="en-US" altLang="ja-JP" dirty="0" smtClean="0">
-                    <a:latin typeface="BIZ UDゴシック" panose="020B0400000000000000" pitchFamily="49" charset="-128"/>
-                    <a:ea typeface="BIZ UDゴシック" panose="020B0400000000000000" pitchFamily="49" charset="-128"/>
-                  </a:endParaRPr>
-                </a:p>
-              </p:txBody>
-            </p:sp>
-            <p:sp>
-              <p:nvSpPr>
-                <p:cNvPr id="35" name="テキスト ボックス 34"/>
-                <p:cNvSpPr txBox="1"/>
-                <p:nvPr/>
-              </p:nvSpPr>
-              <p:spPr>
-                <a:xfrm>
-                  <a:off x="-765780" y="5670549"/>
-                  <a:ext cx="370800" cy="1149350"/>
-                </a:xfrm>
-                <a:prstGeom prst="rect">
-                  <a:avLst/>
-                </a:prstGeom>
-                <a:ln>
-                  <a:solidFill>
-                    <a:schemeClr val="bg1"/>
-                  </a:solidFill>
-                </a:ln>
-              </p:spPr>
-              <p:style>
-                <a:lnRef idx="2">
-                  <a:schemeClr val="dk1">
-                    <a:shade val="50000"/>
+                </a:solidFill>
+              </a:ln>
+            </p:spPr>
+            <p:style>
+              <a:lnRef idx="1">
+                <a:schemeClr val="accent1"/>
+              </a:lnRef>
+              <a:fillRef idx="0">
+                <a:schemeClr val="accent1"/>
+              </a:fillRef>
+              <a:effectRef idx="0">
+                <a:schemeClr val="accent1"/>
+              </a:effectRef>
+              <a:fontRef idx="minor">
+                <a:schemeClr val="tx1"/>
+              </a:fontRef>
+            </p:style>
+          </p:cxnSp>
+          <p:cxnSp>
+            <p:nvCxnSpPr>
+              <p:cNvPr id="20" name="直線コネクタ 19"/>
+              <p:cNvCxnSpPr/>
+              <p:nvPr/>
+            </p:nvCxnSpPr>
+            <p:spPr>
+              <a:xfrm>
+                <a:off x="8920632" y="0"/>
+                <a:ext cx="0" cy="6858000"/>
+              </a:xfrm>
+              <a:prstGeom prst="line">
+                <a:avLst/>
+              </a:prstGeom>
+              <a:ln w="3175">
+                <a:solidFill>
+                  <a:schemeClr val="bg1">
+                    <a:lumMod val="75000"/>
                   </a:schemeClr>
-                </a:lnRef>
-                <a:fillRef idx="1">
-                  <a:schemeClr val="dk1"/>
-                </a:fillRef>
-                <a:effectRef idx="0">
-                  <a:schemeClr val="dk1"/>
-                </a:effectRef>
-                <a:fontRef idx="minor">
-                  <a:schemeClr val="lt1"/>
-                </a:fontRef>
-              </p:style>
-              <p:txBody>
-                <a:bodyPr wrap="square" rtlCol="0" anchor="ctr">
-                  <a:noAutofit/>
-                </a:bodyPr>
-                <a:lstStyle/>
-                <a:p>
-                  <a:pPr algn="ctr"/>
-                  <a:r>
-                    <a:rPr lang="en-US" altLang="ja-JP" dirty="0">
-                      <a:latin typeface="BIZ UDゴシック" panose="020B0400000000000000" pitchFamily="49" charset="-128"/>
-                      <a:ea typeface="BIZ UDゴシック" panose="020B0400000000000000" pitchFamily="49" charset="-128"/>
-                    </a:rPr>
-                    <a:t>6</a:t>
-                  </a:r>
-                  <a:endParaRPr kumimoji="1" lang="en-US" altLang="ja-JP" dirty="0" smtClean="0">
-                    <a:latin typeface="BIZ UDゴシック" panose="020B0400000000000000" pitchFamily="49" charset="-128"/>
-                    <a:ea typeface="BIZ UDゴシック" panose="020B0400000000000000" pitchFamily="49" charset="-128"/>
-                  </a:endParaRPr>
-                </a:p>
-              </p:txBody>
-            </p:sp>
-          </p:grpSp>
+                </a:solidFill>
+              </a:ln>
+            </p:spPr>
+            <p:style>
+              <a:lnRef idx="1">
+                <a:schemeClr val="accent1"/>
+              </a:lnRef>
+              <a:fillRef idx="0">
+                <a:schemeClr val="accent1"/>
+              </a:fillRef>
+              <a:effectRef idx="0">
+                <a:schemeClr val="accent1"/>
+              </a:effectRef>
+              <a:fontRef idx="minor">
+                <a:schemeClr val="tx1"/>
+              </a:fontRef>
+            </p:style>
+          </p:cxnSp>
+          <p:cxnSp>
+            <p:nvCxnSpPr>
+              <p:cNvPr id="21" name="直線コネクタ 20"/>
+              <p:cNvCxnSpPr/>
+              <p:nvPr/>
+            </p:nvCxnSpPr>
+            <p:spPr>
+              <a:xfrm>
+                <a:off x="10332950" y="0"/>
+                <a:ext cx="0" cy="6858000"/>
+              </a:xfrm>
+              <a:prstGeom prst="line">
+                <a:avLst/>
+              </a:prstGeom>
+              <a:ln w="3175">
+                <a:solidFill>
+                  <a:schemeClr val="bg1">
+                    <a:lumMod val="75000"/>
+                  </a:schemeClr>
+                </a:solidFill>
+              </a:ln>
+            </p:spPr>
+            <p:style>
+              <a:lnRef idx="1">
+                <a:schemeClr val="accent1"/>
+              </a:lnRef>
+              <a:fillRef idx="0">
+                <a:schemeClr val="accent1"/>
+              </a:fillRef>
+              <a:effectRef idx="0">
+                <a:schemeClr val="accent1"/>
+              </a:effectRef>
+              <a:fontRef idx="minor">
+                <a:schemeClr val="tx1"/>
+              </a:fontRef>
+            </p:style>
+          </p:cxnSp>
         </p:grpSp>
+      </p:grpSp>
+      <p:grpSp>
+        <p:nvGrpSpPr>
+          <p:cNvPr id="29" name="グループ化 28"/>
+          <p:cNvGrpSpPr/>
+          <p:nvPr/>
+        </p:nvGrpSpPr>
+        <p:grpSpPr>
+          <a:xfrm>
+            <a:off x="2487758" y="525750"/>
+            <a:ext cx="8573854" cy="369332"/>
+            <a:chOff x="-394978" y="-474600"/>
+            <a:chExt cx="8473904" cy="490968"/>
+          </a:xfrm>
+        </p:grpSpPr>
+        <p:sp>
+          <p:nvSpPr>
+            <p:cNvPr id="23" name="テキスト ボックス 22"/>
+            <p:cNvSpPr txBox="1"/>
+            <p:nvPr/>
+          </p:nvSpPr>
+          <p:spPr>
+            <a:xfrm>
+              <a:off x="-394978" y="-474600"/>
+              <a:ext cx="1412317" cy="490968"/>
+            </a:xfrm>
+            <a:prstGeom prst="rect">
+              <a:avLst/>
+            </a:prstGeom>
+            <a:ln>
+              <a:solidFill>
+                <a:schemeClr val="bg1"/>
+              </a:solidFill>
+            </a:ln>
+          </p:spPr>
+          <p:style>
+            <a:lnRef idx="2">
+              <a:schemeClr val="dk1">
+                <a:shade val="50000"/>
+              </a:schemeClr>
+            </a:lnRef>
+            <a:fillRef idx="1">
+              <a:schemeClr val="dk1"/>
+            </a:fillRef>
+            <a:effectRef idx="0">
+              <a:schemeClr val="dk1"/>
+            </a:effectRef>
+            <a:fontRef idx="minor">
+              <a:schemeClr val="lt1"/>
+            </a:fontRef>
+          </p:style>
+          <p:txBody>
+            <a:bodyPr wrap="square" rtlCol="0" anchor="ctr">
+              <a:spAutoFit/>
+            </a:bodyPr>
+            <a:lstStyle/>
+            <a:p>
+              <a:pPr algn="ctr"/>
+              <a:r>
+                <a:rPr kumimoji="1" lang="en-US" altLang="ja-JP" dirty="0" smtClean="0">
+                  <a:latin typeface="BIZ UDゴシック" panose="020B0400000000000000" pitchFamily="49" charset="-128"/>
+                  <a:ea typeface="BIZ UDゴシック" panose="020B0400000000000000" pitchFamily="49" charset="-128"/>
+                </a:rPr>
+                <a:t>A</a:t>
+              </a:r>
+            </a:p>
+          </p:txBody>
+        </p:sp>
+        <p:sp>
+          <p:nvSpPr>
+            <p:cNvPr id="24" name="テキスト ボックス 23"/>
+            <p:cNvSpPr txBox="1"/>
+            <p:nvPr/>
+          </p:nvSpPr>
+          <p:spPr>
+            <a:xfrm>
+              <a:off x="1017339" y="-474600"/>
+              <a:ext cx="1412317" cy="490968"/>
+            </a:xfrm>
+            <a:prstGeom prst="rect">
+              <a:avLst/>
+            </a:prstGeom>
+            <a:ln>
+              <a:solidFill>
+                <a:schemeClr val="bg1"/>
+              </a:solidFill>
+            </a:ln>
+          </p:spPr>
+          <p:style>
+            <a:lnRef idx="2">
+              <a:schemeClr val="dk1">
+                <a:shade val="50000"/>
+              </a:schemeClr>
+            </a:lnRef>
+            <a:fillRef idx="1">
+              <a:schemeClr val="dk1"/>
+            </a:fillRef>
+            <a:effectRef idx="0">
+              <a:schemeClr val="dk1"/>
+            </a:effectRef>
+            <a:fontRef idx="minor">
+              <a:schemeClr val="lt1"/>
+            </a:fontRef>
+          </p:style>
+          <p:txBody>
+            <a:bodyPr wrap="square" rtlCol="0" anchor="ctr">
+              <a:spAutoFit/>
+            </a:bodyPr>
+            <a:lstStyle/>
+            <a:p>
+              <a:pPr algn="ctr"/>
+              <a:r>
+                <a:rPr lang="en-US" altLang="ja-JP" dirty="0" smtClean="0">
+                  <a:latin typeface="BIZ UDゴシック" panose="020B0400000000000000" pitchFamily="49" charset="-128"/>
+                  <a:ea typeface="BIZ UDゴシック" panose="020B0400000000000000" pitchFamily="49" charset="-128"/>
+                </a:rPr>
+                <a:t>B</a:t>
+              </a:r>
+              <a:endParaRPr kumimoji="1" lang="en-US" altLang="ja-JP" dirty="0" smtClean="0">
+                <a:latin typeface="BIZ UDゴシック" panose="020B0400000000000000" pitchFamily="49" charset="-128"/>
+                <a:ea typeface="BIZ UDゴシック" panose="020B0400000000000000" pitchFamily="49" charset="-128"/>
+              </a:endParaRPr>
+            </a:p>
+          </p:txBody>
+        </p:sp>
+        <p:sp>
+          <p:nvSpPr>
+            <p:cNvPr id="25" name="テキスト ボックス 24"/>
+            <p:cNvSpPr txBox="1"/>
+            <p:nvPr/>
+          </p:nvSpPr>
+          <p:spPr>
+            <a:xfrm>
+              <a:off x="2429656" y="-474600"/>
+              <a:ext cx="1412317" cy="490968"/>
+            </a:xfrm>
+            <a:prstGeom prst="rect">
+              <a:avLst/>
+            </a:prstGeom>
+            <a:ln>
+              <a:solidFill>
+                <a:schemeClr val="bg1"/>
+              </a:solidFill>
+            </a:ln>
+          </p:spPr>
+          <p:style>
+            <a:lnRef idx="2">
+              <a:schemeClr val="dk1">
+                <a:shade val="50000"/>
+              </a:schemeClr>
+            </a:lnRef>
+            <a:fillRef idx="1">
+              <a:schemeClr val="dk1"/>
+            </a:fillRef>
+            <a:effectRef idx="0">
+              <a:schemeClr val="dk1"/>
+            </a:effectRef>
+            <a:fontRef idx="minor">
+              <a:schemeClr val="lt1"/>
+            </a:fontRef>
+          </p:style>
+          <p:txBody>
+            <a:bodyPr wrap="square" rtlCol="0" anchor="ctr">
+              <a:spAutoFit/>
+            </a:bodyPr>
+            <a:lstStyle/>
+            <a:p>
+              <a:pPr algn="ctr"/>
+              <a:r>
+                <a:rPr kumimoji="1" lang="en-US" altLang="ja-JP" dirty="0" smtClean="0">
+                  <a:latin typeface="BIZ UDゴシック" panose="020B0400000000000000" pitchFamily="49" charset="-128"/>
+                  <a:ea typeface="BIZ UDゴシック" panose="020B0400000000000000" pitchFamily="49" charset="-128"/>
+                </a:rPr>
+                <a:t>C</a:t>
+              </a:r>
+            </a:p>
+          </p:txBody>
+        </p:sp>
+        <p:sp>
+          <p:nvSpPr>
+            <p:cNvPr id="26" name="テキスト ボックス 25"/>
+            <p:cNvSpPr txBox="1"/>
+            <p:nvPr/>
+          </p:nvSpPr>
+          <p:spPr>
+            <a:xfrm>
+              <a:off x="3841973" y="-474600"/>
+              <a:ext cx="1412317" cy="490968"/>
+            </a:xfrm>
+            <a:prstGeom prst="rect">
+              <a:avLst/>
+            </a:prstGeom>
+            <a:ln>
+              <a:solidFill>
+                <a:schemeClr val="bg1"/>
+              </a:solidFill>
+            </a:ln>
+          </p:spPr>
+          <p:style>
+            <a:lnRef idx="2">
+              <a:schemeClr val="dk1">
+                <a:shade val="50000"/>
+              </a:schemeClr>
+            </a:lnRef>
+            <a:fillRef idx="1">
+              <a:schemeClr val="dk1"/>
+            </a:fillRef>
+            <a:effectRef idx="0">
+              <a:schemeClr val="dk1"/>
+            </a:effectRef>
+            <a:fontRef idx="minor">
+              <a:schemeClr val="lt1"/>
+            </a:fontRef>
+          </p:style>
+          <p:txBody>
+            <a:bodyPr wrap="square" rtlCol="0" anchor="ctr">
+              <a:spAutoFit/>
+            </a:bodyPr>
+            <a:lstStyle/>
+            <a:p>
+              <a:pPr algn="ctr"/>
+              <a:r>
+                <a:rPr lang="en-US" altLang="ja-JP" dirty="0" smtClean="0">
+                  <a:latin typeface="BIZ UDゴシック" panose="020B0400000000000000" pitchFamily="49" charset="-128"/>
+                  <a:ea typeface="BIZ UDゴシック" panose="020B0400000000000000" pitchFamily="49" charset="-128"/>
+                </a:rPr>
+                <a:t>D</a:t>
+              </a:r>
+            </a:p>
+          </p:txBody>
+        </p:sp>
+        <p:sp>
+          <p:nvSpPr>
+            <p:cNvPr id="27" name="テキスト ボックス 26"/>
+            <p:cNvSpPr txBox="1"/>
+            <p:nvPr/>
+          </p:nvSpPr>
+          <p:spPr>
+            <a:xfrm>
+              <a:off x="5254290" y="-474600"/>
+              <a:ext cx="1412317" cy="490968"/>
+            </a:xfrm>
+            <a:prstGeom prst="rect">
+              <a:avLst/>
+            </a:prstGeom>
+            <a:ln>
+              <a:solidFill>
+                <a:schemeClr val="bg1"/>
+              </a:solidFill>
+            </a:ln>
+          </p:spPr>
+          <p:style>
+            <a:lnRef idx="2">
+              <a:schemeClr val="dk1">
+                <a:shade val="50000"/>
+              </a:schemeClr>
+            </a:lnRef>
+            <a:fillRef idx="1">
+              <a:schemeClr val="dk1"/>
+            </a:fillRef>
+            <a:effectRef idx="0">
+              <a:schemeClr val="dk1"/>
+            </a:effectRef>
+            <a:fontRef idx="minor">
+              <a:schemeClr val="lt1"/>
+            </a:fontRef>
+          </p:style>
+          <p:txBody>
+            <a:bodyPr wrap="square" rtlCol="0" anchor="ctr">
+              <a:spAutoFit/>
+            </a:bodyPr>
+            <a:lstStyle/>
+            <a:p>
+              <a:pPr algn="ctr"/>
+              <a:r>
+                <a:rPr kumimoji="1" lang="en-US" altLang="ja-JP" dirty="0" smtClean="0">
+                  <a:latin typeface="BIZ UDゴシック" panose="020B0400000000000000" pitchFamily="49" charset="-128"/>
+                  <a:ea typeface="BIZ UDゴシック" panose="020B0400000000000000" pitchFamily="49" charset="-128"/>
+                </a:rPr>
+                <a:t>E</a:t>
+              </a:r>
+            </a:p>
+          </p:txBody>
+        </p:sp>
+        <p:sp>
+          <p:nvSpPr>
+            <p:cNvPr id="28" name="テキスト ボックス 27"/>
+            <p:cNvSpPr txBox="1"/>
+            <p:nvPr/>
+          </p:nvSpPr>
+          <p:spPr>
+            <a:xfrm>
+              <a:off x="6666609" y="-474600"/>
+              <a:ext cx="1412317" cy="490968"/>
+            </a:xfrm>
+            <a:prstGeom prst="rect">
+              <a:avLst/>
+            </a:prstGeom>
+            <a:ln>
+              <a:solidFill>
+                <a:schemeClr val="bg1"/>
+              </a:solidFill>
+            </a:ln>
+          </p:spPr>
+          <p:style>
+            <a:lnRef idx="2">
+              <a:schemeClr val="dk1">
+                <a:shade val="50000"/>
+              </a:schemeClr>
+            </a:lnRef>
+            <a:fillRef idx="1">
+              <a:schemeClr val="dk1"/>
+            </a:fillRef>
+            <a:effectRef idx="0">
+              <a:schemeClr val="dk1"/>
+            </a:effectRef>
+            <a:fontRef idx="minor">
+              <a:schemeClr val="lt1"/>
+            </a:fontRef>
+          </p:style>
+          <p:txBody>
+            <a:bodyPr wrap="square" rtlCol="0" anchor="ctr">
+              <a:spAutoFit/>
+            </a:bodyPr>
+            <a:lstStyle/>
+            <a:p>
+              <a:pPr algn="ctr"/>
+              <a:r>
+                <a:rPr kumimoji="1" lang="en-US" altLang="ja-JP" dirty="0" smtClean="0">
+                  <a:latin typeface="BIZ UDゴシック" panose="020B0400000000000000" pitchFamily="49" charset="-128"/>
+                  <a:ea typeface="BIZ UDゴシック" panose="020B0400000000000000" pitchFamily="49" charset="-128"/>
+                </a:rPr>
+                <a:t>F</a:t>
+              </a:r>
+            </a:p>
+          </p:txBody>
+        </p:sp>
+      </p:grpSp>
+      <p:grpSp>
+        <p:nvGrpSpPr>
+          <p:cNvPr id="36" name="グループ化 35"/>
+          <p:cNvGrpSpPr/>
+          <p:nvPr/>
+        </p:nvGrpSpPr>
+        <p:grpSpPr>
+          <a:xfrm>
+            <a:off x="2108200" y="894567"/>
+            <a:ext cx="375174" cy="5161332"/>
+            <a:chOff x="-765780" y="-41276"/>
+            <a:chExt cx="370800" cy="6861175"/>
+          </a:xfrm>
+        </p:grpSpPr>
+        <p:sp>
+          <p:nvSpPr>
+            <p:cNvPr id="30" name="テキスト ボックス 29"/>
+            <p:cNvSpPr txBox="1"/>
+            <p:nvPr/>
+          </p:nvSpPr>
+          <p:spPr>
+            <a:xfrm>
+              <a:off x="-765780" y="-41276"/>
+              <a:ext cx="370800" cy="1149350"/>
+            </a:xfrm>
+            <a:prstGeom prst="rect">
+              <a:avLst/>
+            </a:prstGeom>
+            <a:ln>
+              <a:solidFill>
+                <a:schemeClr val="bg1"/>
+              </a:solidFill>
+            </a:ln>
+          </p:spPr>
+          <p:style>
+            <a:lnRef idx="2">
+              <a:schemeClr val="dk1">
+                <a:shade val="50000"/>
+              </a:schemeClr>
+            </a:lnRef>
+            <a:fillRef idx="1">
+              <a:schemeClr val="dk1"/>
+            </a:fillRef>
+            <a:effectRef idx="0">
+              <a:schemeClr val="dk1"/>
+            </a:effectRef>
+            <a:fontRef idx="minor">
+              <a:schemeClr val="lt1"/>
+            </a:fontRef>
+          </p:style>
+          <p:txBody>
+            <a:bodyPr wrap="square" rtlCol="0" anchor="ctr">
+              <a:noAutofit/>
+            </a:bodyPr>
+            <a:lstStyle/>
+            <a:p>
+              <a:pPr algn="ctr"/>
+              <a:r>
+                <a:rPr lang="en-US" altLang="ja-JP" dirty="0">
+                  <a:latin typeface="BIZ UDゴシック" panose="020B0400000000000000" pitchFamily="49" charset="-128"/>
+                  <a:ea typeface="BIZ UDゴシック" panose="020B0400000000000000" pitchFamily="49" charset="-128"/>
+                </a:rPr>
+                <a:t>1</a:t>
+              </a:r>
+              <a:endParaRPr kumimoji="1" lang="en-US" altLang="ja-JP" dirty="0" smtClean="0">
+                <a:latin typeface="BIZ UDゴシック" panose="020B0400000000000000" pitchFamily="49" charset="-128"/>
+                <a:ea typeface="BIZ UDゴシック" panose="020B0400000000000000" pitchFamily="49" charset="-128"/>
+              </a:endParaRPr>
+            </a:p>
+          </p:txBody>
+        </p:sp>
+        <p:sp>
+          <p:nvSpPr>
+            <p:cNvPr id="31" name="テキスト ボックス 30"/>
+            <p:cNvSpPr txBox="1"/>
+            <p:nvPr/>
+          </p:nvSpPr>
+          <p:spPr>
+            <a:xfrm>
+              <a:off x="-765780" y="1101089"/>
+              <a:ext cx="370800" cy="1149350"/>
+            </a:xfrm>
+            <a:prstGeom prst="rect">
+              <a:avLst/>
+            </a:prstGeom>
+            <a:ln>
+              <a:solidFill>
+                <a:schemeClr val="bg1"/>
+              </a:solidFill>
+            </a:ln>
+          </p:spPr>
+          <p:style>
+            <a:lnRef idx="2">
+              <a:schemeClr val="dk1">
+                <a:shade val="50000"/>
+              </a:schemeClr>
+            </a:lnRef>
+            <a:fillRef idx="1">
+              <a:schemeClr val="dk1"/>
+            </a:fillRef>
+            <a:effectRef idx="0">
+              <a:schemeClr val="dk1"/>
+            </a:effectRef>
+            <a:fontRef idx="minor">
+              <a:schemeClr val="lt1"/>
+            </a:fontRef>
+          </p:style>
+          <p:txBody>
+            <a:bodyPr wrap="square" rtlCol="0" anchor="ctr">
+              <a:noAutofit/>
+            </a:bodyPr>
+            <a:lstStyle/>
+            <a:p>
+              <a:pPr algn="ctr"/>
+              <a:r>
+                <a:rPr lang="en-US" altLang="ja-JP" dirty="0">
+                  <a:latin typeface="BIZ UDゴシック" panose="020B0400000000000000" pitchFamily="49" charset="-128"/>
+                  <a:ea typeface="BIZ UDゴシック" panose="020B0400000000000000" pitchFamily="49" charset="-128"/>
+                </a:rPr>
+                <a:t>2</a:t>
+              </a:r>
+              <a:endParaRPr kumimoji="1" lang="en-US" altLang="ja-JP" dirty="0" smtClean="0">
+                <a:latin typeface="BIZ UDゴシック" panose="020B0400000000000000" pitchFamily="49" charset="-128"/>
+                <a:ea typeface="BIZ UDゴシック" panose="020B0400000000000000" pitchFamily="49" charset="-128"/>
+              </a:endParaRPr>
+            </a:p>
+          </p:txBody>
+        </p:sp>
+        <p:sp>
+          <p:nvSpPr>
+            <p:cNvPr id="32" name="テキスト ボックス 31"/>
+            <p:cNvSpPr txBox="1"/>
+            <p:nvPr/>
+          </p:nvSpPr>
+          <p:spPr>
+            <a:xfrm>
+              <a:off x="-765780" y="2243454"/>
+              <a:ext cx="370800" cy="1149350"/>
+            </a:xfrm>
+            <a:prstGeom prst="rect">
+              <a:avLst/>
+            </a:prstGeom>
+            <a:ln>
+              <a:solidFill>
+                <a:schemeClr val="bg1"/>
+              </a:solidFill>
+            </a:ln>
+          </p:spPr>
+          <p:style>
+            <a:lnRef idx="2">
+              <a:schemeClr val="dk1">
+                <a:shade val="50000"/>
+              </a:schemeClr>
+            </a:lnRef>
+            <a:fillRef idx="1">
+              <a:schemeClr val="dk1"/>
+            </a:fillRef>
+            <a:effectRef idx="0">
+              <a:schemeClr val="dk1"/>
+            </a:effectRef>
+            <a:fontRef idx="minor">
+              <a:schemeClr val="lt1"/>
+            </a:fontRef>
+          </p:style>
+          <p:txBody>
+            <a:bodyPr wrap="square" rtlCol="0" anchor="ctr">
+              <a:noAutofit/>
+            </a:bodyPr>
+            <a:lstStyle/>
+            <a:p>
+              <a:pPr algn="ctr"/>
+              <a:r>
+                <a:rPr lang="en-US" altLang="ja-JP" dirty="0">
+                  <a:latin typeface="BIZ UDゴシック" panose="020B0400000000000000" pitchFamily="49" charset="-128"/>
+                  <a:ea typeface="BIZ UDゴシック" panose="020B0400000000000000" pitchFamily="49" charset="-128"/>
+                </a:rPr>
+                <a:t>3</a:t>
+              </a:r>
+              <a:endParaRPr kumimoji="1" lang="en-US" altLang="ja-JP" dirty="0" smtClean="0">
+                <a:latin typeface="BIZ UDゴシック" panose="020B0400000000000000" pitchFamily="49" charset="-128"/>
+                <a:ea typeface="BIZ UDゴシック" panose="020B0400000000000000" pitchFamily="49" charset="-128"/>
+              </a:endParaRPr>
+            </a:p>
+          </p:txBody>
+        </p:sp>
+        <p:sp>
+          <p:nvSpPr>
+            <p:cNvPr id="33" name="テキスト ボックス 32"/>
+            <p:cNvSpPr txBox="1"/>
+            <p:nvPr/>
+          </p:nvSpPr>
+          <p:spPr>
+            <a:xfrm>
+              <a:off x="-765780" y="3385819"/>
+              <a:ext cx="370800" cy="1149350"/>
+            </a:xfrm>
+            <a:prstGeom prst="rect">
+              <a:avLst/>
+            </a:prstGeom>
+            <a:ln>
+              <a:solidFill>
+                <a:schemeClr val="bg1"/>
+              </a:solidFill>
+            </a:ln>
+          </p:spPr>
+          <p:style>
+            <a:lnRef idx="2">
+              <a:schemeClr val="dk1">
+                <a:shade val="50000"/>
+              </a:schemeClr>
+            </a:lnRef>
+            <a:fillRef idx="1">
+              <a:schemeClr val="dk1"/>
+            </a:fillRef>
+            <a:effectRef idx="0">
+              <a:schemeClr val="dk1"/>
+            </a:effectRef>
+            <a:fontRef idx="minor">
+              <a:schemeClr val="lt1"/>
+            </a:fontRef>
+          </p:style>
+          <p:txBody>
+            <a:bodyPr wrap="square" rtlCol="0" anchor="ctr">
+              <a:noAutofit/>
+            </a:bodyPr>
+            <a:lstStyle/>
+            <a:p>
+              <a:pPr algn="ctr"/>
+              <a:r>
+                <a:rPr lang="en-US" altLang="ja-JP" dirty="0">
+                  <a:latin typeface="BIZ UDゴシック" panose="020B0400000000000000" pitchFamily="49" charset="-128"/>
+                  <a:ea typeface="BIZ UDゴシック" panose="020B0400000000000000" pitchFamily="49" charset="-128"/>
+                </a:rPr>
+                <a:t>4</a:t>
+              </a:r>
+              <a:endParaRPr kumimoji="1" lang="en-US" altLang="ja-JP" dirty="0" smtClean="0">
+                <a:latin typeface="BIZ UDゴシック" panose="020B0400000000000000" pitchFamily="49" charset="-128"/>
+                <a:ea typeface="BIZ UDゴシック" panose="020B0400000000000000" pitchFamily="49" charset="-128"/>
+              </a:endParaRPr>
+            </a:p>
+          </p:txBody>
+        </p:sp>
+        <p:sp>
+          <p:nvSpPr>
+            <p:cNvPr id="34" name="テキスト ボックス 33"/>
+            <p:cNvSpPr txBox="1"/>
+            <p:nvPr/>
+          </p:nvSpPr>
+          <p:spPr>
+            <a:xfrm>
+              <a:off x="-765780" y="4528184"/>
+              <a:ext cx="370800" cy="1149350"/>
+            </a:xfrm>
+            <a:prstGeom prst="rect">
+              <a:avLst/>
+            </a:prstGeom>
+            <a:ln>
+              <a:solidFill>
+                <a:schemeClr val="bg1"/>
+              </a:solidFill>
+            </a:ln>
+          </p:spPr>
+          <p:style>
+            <a:lnRef idx="2">
+              <a:schemeClr val="dk1">
+                <a:shade val="50000"/>
+              </a:schemeClr>
+            </a:lnRef>
+            <a:fillRef idx="1">
+              <a:schemeClr val="dk1"/>
+            </a:fillRef>
+            <a:effectRef idx="0">
+              <a:schemeClr val="dk1"/>
+            </a:effectRef>
+            <a:fontRef idx="minor">
+              <a:schemeClr val="lt1"/>
+            </a:fontRef>
+          </p:style>
+          <p:txBody>
+            <a:bodyPr wrap="square" rtlCol="0" anchor="ctr">
+              <a:noAutofit/>
+            </a:bodyPr>
+            <a:lstStyle/>
+            <a:p>
+              <a:pPr algn="ctr"/>
+              <a:r>
+                <a:rPr lang="en-US" altLang="ja-JP" dirty="0">
+                  <a:latin typeface="BIZ UDゴシック" panose="020B0400000000000000" pitchFamily="49" charset="-128"/>
+                  <a:ea typeface="BIZ UDゴシック" panose="020B0400000000000000" pitchFamily="49" charset="-128"/>
+                </a:rPr>
+                <a:t>5</a:t>
+              </a:r>
+              <a:endParaRPr kumimoji="1" lang="en-US" altLang="ja-JP" dirty="0" smtClean="0">
+                <a:latin typeface="BIZ UDゴシック" panose="020B0400000000000000" pitchFamily="49" charset="-128"/>
+                <a:ea typeface="BIZ UDゴシック" panose="020B0400000000000000" pitchFamily="49" charset="-128"/>
+              </a:endParaRPr>
+            </a:p>
+          </p:txBody>
+        </p:sp>
+        <p:sp>
+          <p:nvSpPr>
+            <p:cNvPr id="35" name="テキスト ボックス 34"/>
+            <p:cNvSpPr txBox="1"/>
+            <p:nvPr/>
+          </p:nvSpPr>
+          <p:spPr>
+            <a:xfrm>
+              <a:off x="-765780" y="5670549"/>
+              <a:ext cx="370800" cy="1149350"/>
+            </a:xfrm>
+            <a:prstGeom prst="rect">
+              <a:avLst/>
+            </a:prstGeom>
+            <a:ln>
+              <a:solidFill>
+                <a:schemeClr val="bg1"/>
+              </a:solidFill>
+            </a:ln>
+          </p:spPr>
+          <p:style>
+            <a:lnRef idx="2">
+              <a:schemeClr val="dk1">
+                <a:shade val="50000"/>
+              </a:schemeClr>
+            </a:lnRef>
+            <a:fillRef idx="1">
+              <a:schemeClr val="dk1"/>
+            </a:fillRef>
+            <a:effectRef idx="0">
+              <a:schemeClr val="dk1"/>
+            </a:effectRef>
+            <a:fontRef idx="minor">
+              <a:schemeClr val="lt1"/>
+            </a:fontRef>
+          </p:style>
+          <p:txBody>
+            <a:bodyPr wrap="square" rtlCol="0" anchor="ctr">
+              <a:noAutofit/>
+            </a:bodyPr>
+            <a:lstStyle/>
+            <a:p>
+              <a:pPr algn="ctr"/>
+              <a:r>
+                <a:rPr lang="en-US" altLang="ja-JP" dirty="0">
+                  <a:latin typeface="BIZ UDゴシック" panose="020B0400000000000000" pitchFamily="49" charset="-128"/>
+                  <a:ea typeface="BIZ UDゴシック" panose="020B0400000000000000" pitchFamily="49" charset="-128"/>
+                </a:rPr>
+                <a:t>6</a:t>
+              </a:r>
+              <a:endParaRPr kumimoji="1" lang="en-US" altLang="ja-JP" dirty="0" smtClean="0">
+                <a:latin typeface="BIZ UDゴシック" panose="020B0400000000000000" pitchFamily="49" charset="-128"/>
+                <a:ea typeface="BIZ UDゴシック" panose="020B0400000000000000" pitchFamily="49" charset="-128"/>
+              </a:endParaRPr>
+            </a:p>
+          </p:txBody>
+        </p:sp>
       </p:grpSp>
     </p:spTree>
     <p:extLst>
